--- a/kadai-4/4-2.pptx
+++ b/kadai-4/4-2.pptx
@@ -104,6 +104,11 @@
       </a:defRPr>
     </a:lvl9pPr>
   </p:defaultTextStyle>
+  <p:extLst>
+    <p:ext uri="{EFAFB233-063F-42B5-8137-9DF3F51BA10A}">
+      <p15:sldGuideLst xmlns:p15="http://schemas.microsoft.com/office/powerpoint/2012/main"/>
+    </p:ext>
+  </p:extLst>
 </p:presentation>
 </file>
 
@@ -238,7 +243,7 @@
           <a:p>
             <a:fld id="{A3CCC5CE-CB82-F94B-963E-79952B417D1E}" type="datetimeFigureOut">
               <a:rPr lang="en-JP" smtClean="0"/>
-              <a:t>2024/11/18</a:t>
+              <a:t>2024/11/25</a:t>
             </a:fld>
             <a:endParaRPr lang="en-JP"/>
           </a:p>
@@ -408,7 +413,7 @@
           <a:p>
             <a:fld id="{A3CCC5CE-CB82-F94B-963E-79952B417D1E}" type="datetimeFigureOut">
               <a:rPr lang="en-JP" smtClean="0"/>
-              <a:t>2024/11/18</a:t>
+              <a:t>2024/11/25</a:t>
             </a:fld>
             <a:endParaRPr lang="en-JP"/>
           </a:p>
@@ -588,7 +593,7 @@
           <a:p>
             <a:fld id="{A3CCC5CE-CB82-F94B-963E-79952B417D1E}" type="datetimeFigureOut">
               <a:rPr lang="en-JP" smtClean="0"/>
-              <a:t>2024/11/18</a:t>
+              <a:t>2024/11/25</a:t>
             </a:fld>
             <a:endParaRPr lang="en-JP"/>
           </a:p>
@@ -758,7 +763,7 @@
           <a:p>
             <a:fld id="{A3CCC5CE-CB82-F94B-963E-79952B417D1E}" type="datetimeFigureOut">
               <a:rPr lang="en-JP" smtClean="0"/>
-              <a:t>2024/11/18</a:t>
+              <a:t>2024/11/25</a:t>
             </a:fld>
             <a:endParaRPr lang="en-JP"/>
           </a:p>
@@ -1004,7 +1009,7 @@
           <a:p>
             <a:fld id="{A3CCC5CE-CB82-F94B-963E-79952B417D1E}" type="datetimeFigureOut">
               <a:rPr lang="en-JP" smtClean="0"/>
-              <a:t>2024/11/18</a:t>
+              <a:t>2024/11/25</a:t>
             </a:fld>
             <a:endParaRPr lang="en-JP"/>
           </a:p>
@@ -1236,7 +1241,7 @@
           <a:p>
             <a:fld id="{A3CCC5CE-CB82-F94B-963E-79952B417D1E}" type="datetimeFigureOut">
               <a:rPr lang="en-JP" smtClean="0"/>
-              <a:t>2024/11/18</a:t>
+              <a:t>2024/11/25</a:t>
             </a:fld>
             <a:endParaRPr lang="en-JP"/>
           </a:p>
@@ -1603,7 +1608,7 @@
           <a:p>
             <a:fld id="{A3CCC5CE-CB82-F94B-963E-79952B417D1E}" type="datetimeFigureOut">
               <a:rPr lang="en-JP" smtClean="0"/>
-              <a:t>2024/11/18</a:t>
+              <a:t>2024/11/25</a:t>
             </a:fld>
             <a:endParaRPr lang="en-JP"/>
           </a:p>
@@ -1721,7 +1726,7 @@
           <a:p>
             <a:fld id="{A3CCC5CE-CB82-F94B-963E-79952B417D1E}" type="datetimeFigureOut">
               <a:rPr lang="en-JP" smtClean="0"/>
-              <a:t>2024/11/18</a:t>
+              <a:t>2024/11/25</a:t>
             </a:fld>
             <a:endParaRPr lang="en-JP"/>
           </a:p>
@@ -1816,7 +1821,7 @@
           <a:p>
             <a:fld id="{A3CCC5CE-CB82-F94B-963E-79952B417D1E}" type="datetimeFigureOut">
               <a:rPr lang="en-JP" smtClean="0"/>
-              <a:t>2024/11/18</a:t>
+              <a:t>2024/11/25</a:t>
             </a:fld>
             <a:endParaRPr lang="en-JP"/>
           </a:p>
@@ -2093,7 +2098,7 @@
           <a:p>
             <a:fld id="{A3CCC5CE-CB82-F94B-963E-79952B417D1E}" type="datetimeFigureOut">
               <a:rPr lang="en-JP" smtClean="0"/>
-              <a:t>2024/11/18</a:t>
+              <a:t>2024/11/25</a:t>
             </a:fld>
             <a:endParaRPr lang="en-JP"/>
           </a:p>
@@ -2350,7 +2355,7 @@
           <a:p>
             <a:fld id="{A3CCC5CE-CB82-F94B-963E-79952B417D1E}" type="datetimeFigureOut">
               <a:rPr lang="en-JP" smtClean="0"/>
-              <a:t>2024/11/18</a:t>
+              <a:t>2024/11/25</a:t>
             </a:fld>
             <a:endParaRPr lang="en-JP"/>
           </a:p>
@@ -2563,7 +2568,7 @@
           <a:p>
             <a:fld id="{A3CCC5CE-CB82-F94B-963E-79952B417D1E}" type="datetimeFigureOut">
               <a:rPr lang="en-JP" smtClean="0"/>
-              <a:t>2024/11/18</a:t>
+              <a:t>2024/11/25</a:t>
             </a:fld>
             <a:endParaRPr lang="en-JP"/>
           </a:p>
@@ -4360,11 +4365,11 @@
           <a:p>
             <a:pPr algn="ctr" eaLnBrk="1" hangingPunct="1"/>
             <a:r>
-              <a:rPr lang="en-US" altLang="ja-JP" sz="1600" b="1">
+              <a:rPr lang="en-US" altLang="ja-JP" sz="1600" b="1" dirty="0">
                 <a:latin typeface="ＭＳ 明朝" panose="02020609040205080304" pitchFamily="49" charset="-128"/>
                 <a:ea typeface="ＭＳ 明朝" panose="02020609040205080304" pitchFamily="49" charset="-128"/>
               </a:rPr>
-              <a:t>stda0</a:t>
+              <a:t>std0</a:t>
             </a:r>
           </a:p>
         </p:txBody>
@@ -4523,11 +4528,11 @@
           <a:p>
             <a:pPr algn="ctr" eaLnBrk="1" hangingPunct="1"/>
             <a:r>
-              <a:rPr lang="en-US" altLang="ja-JP" sz="1600" b="1">
+              <a:rPr lang="en-US" altLang="ja-JP" sz="1600" b="1" dirty="0">
                 <a:latin typeface="ＭＳ 明朝" panose="02020609040205080304" pitchFamily="49" charset="-128"/>
                 <a:ea typeface="ＭＳ 明朝" panose="02020609040205080304" pitchFamily="49" charset="-128"/>
               </a:rPr>
-              <a:t>stda1</a:t>
+              <a:t>std1</a:t>
             </a:r>
           </a:p>
         </p:txBody>
@@ -4794,7 +4799,7 @@
                 <a:latin typeface="ＭＳ 明朝" panose="02020609040205080304" pitchFamily="49" charset="-128"/>
                 <a:ea typeface="ＭＳ 明朝" panose="02020609040205080304" pitchFamily="49" charset="-128"/>
               </a:rPr>
-              <a:t>stda2</a:t>
+              <a:t>std2</a:t>
             </a:r>
           </a:p>
         </p:txBody>
@@ -4953,11 +4958,11 @@
           <a:p>
             <a:pPr algn="ctr" eaLnBrk="1" hangingPunct="1"/>
             <a:r>
-              <a:rPr lang="en-US" altLang="ja-JP" sz="1600" b="1">
+              <a:rPr lang="en-US" altLang="ja-JP" sz="1600" b="1" dirty="0">
                 <a:latin typeface="ＭＳ 明朝" panose="02020609040205080304" pitchFamily="49" charset="-128"/>
                 <a:ea typeface="ＭＳ 明朝" panose="02020609040205080304" pitchFamily="49" charset="-128"/>
               </a:rPr>
-              <a:t>j0</a:t>
+              <a:t>js0</a:t>
             </a:r>
           </a:p>
         </p:txBody>
@@ -5116,11 +5121,11 @@
           <a:p>
             <a:pPr algn="ctr" eaLnBrk="1" hangingPunct="1"/>
             <a:r>
-              <a:rPr lang="en-US" altLang="ja-JP" sz="1600" b="1">
+              <a:rPr lang="en-US" altLang="ja-JP" sz="1600" b="1" dirty="0">
                 <a:latin typeface="ＭＳ 明朝" panose="02020609040205080304" pitchFamily="49" charset="-128"/>
                 <a:ea typeface="ＭＳ 明朝" panose="02020609040205080304" pitchFamily="49" charset="-128"/>
               </a:rPr>
-              <a:t>j1</a:t>
+              <a:t>js1</a:t>
             </a:r>
           </a:p>
         </p:txBody>
@@ -5279,11 +5284,11 @@
           <a:p>
             <a:pPr algn="ctr" eaLnBrk="1" hangingPunct="1"/>
             <a:r>
-              <a:rPr lang="en-US" altLang="ja-JP" sz="1600" b="1">
+              <a:rPr lang="en-US" altLang="ja-JP" sz="1600" b="1" dirty="0">
                 <a:latin typeface="ＭＳ 明朝" panose="02020609040205080304" pitchFamily="49" charset="-128"/>
                 <a:ea typeface="ＭＳ 明朝" panose="02020609040205080304" pitchFamily="49" charset="-128"/>
               </a:rPr>
-              <a:t>j2</a:t>
+              <a:t>js2</a:t>
             </a:r>
           </a:p>
         </p:txBody>
@@ -5442,11 +5447,11 @@
           <a:p>
             <a:pPr algn="ctr" eaLnBrk="1" hangingPunct="1"/>
             <a:r>
-              <a:rPr lang="en-US" altLang="ja-JP" sz="1600" b="1">
+              <a:rPr lang="en-US" altLang="ja-JP" sz="1600" b="1" dirty="0">
                 <a:latin typeface="ＭＳ 明朝" panose="02020609040205080304" pitchFamily="49" charset="-128"/>
                 <a:ea typeface="ＭＳ 明朝" panose="02020609040205080304" pitchFamily="49" charset="-128"/>
               </a:rPr>
-              <a:t>j3</a:t>
+              <a:t>js3</a:t>
             </a:r>
           </a:p>
         </p:txBody>
@@ -5813,11 +5818,11 @@
           <a:p>
             <a:pPr algn="ctr" eaLnBrk="1" hangingPunct="1"/>
             <a:r>
-              <a:rPr lang="en-US" altLang="ja-JP" sz="1600" b="1">
+              <a:rPr lang="en-US" altLang="ja-JP" sz="1600" b="1" dirty="0">
                 <a:latin typeface="ＭＳ 明朝" panose="02020609040205080304" pitchFamily="49" charset="-128"/>
                 <a:ea typeface="ＭＳ 明朝" panose="02020609040205080304" pitchFamily="49" charset="-128"/>
               </a:rPr>
-              <a:t>j4</a:t>
+              <a:t>js4</a:t>
             </a:r>
           </a:p>
         </p:txBody>
@@ -5976,7 +5981,7 @@
           <a:p>
             <a:pPr algn="ctr" eaLnBrk="1" hangingPunct="1"/>
             <a:r>
-              <a:rPr lang="en-US" altLang="ja-JP" sz="1600" b="1">
+              <a:rPr lang="en-US" altLang="ja-JP" sz="1600" b="1" dirty="0">
                 <a:latin typeface="ＭＳ 明朝" panose="02020609040205080304" pitchFamily="49" charset="-128"/>
                 <a:ea typeface="ＭＳ 明朝" panose="02020609040205080304" pitchFamily="49" charset="-128"/>
               </a:rPr>
@@ -6336,8 +6341,8 @@
         </p:nvSpPr>
         <p:spPr>
           <a:xfrm>
-            <a:off x="12227859" y="4312619"/>
-            <a:ext cx="691215" cy="369332"/>
+            <a:off x="11407838" y="3803923"/>
+            <a:ext cx="651397" cy="923330"/>
           </a:xfrm>
           <a:prstGeom prst="rect">
             <a:avLst/>
@@ -6352,7 +6357,23 @@
           <a:p>
             <a:r>
               <a:rPr lang="en-JP" dirty="0"/>
-              <a:t>1dd0</a:t>
+              <a:t>ldd0</a:t>
+            </a:r>
+          </a:p>
+          <a:p>
+            <a:r>
+              <a:rPr lang="en-US" dirty="0"/>
+              <a:t>l</a:t>
+            </a:r>
+            <a:r>
+              <a:rPr lang="en-JP" dirty="0"/>
+              <a:t>s0</a:t>
+            </a:r>
+          </a:p>
+          <a:p>
+            <a:r>
+              <a:rPr lang="en-JP" dirty="0"/>
+              <a:t>stix0</a:t>
             </a:r>
           </a:p>
         </p:txBody>
@@ -6371,8 +6392,8 @@
         </p:nvSpPr>
         <p:spPr>
           <a:xfrm>
-            <a:off x="13669309" y="4277003"/>
-            <a:ext cx="691215" cy="369332"/>
+            <a:off x="14300329" y="3954887"/>
+            <a:ext cx="651397" cy="923330"/>
           </a:xfrm>
           <a:prstGeom prst="rect">
             <a:avLst/>
@@ -6387,7 +6408,23 @@
           <a:p>
             <a:r>
               <a:rPr lang="en-JP" dirty="0"/>
-              <a:t>1dd1</a:t>
+              <a:t>ldd1</a:t>
+            </a:r>
+          </a:p>
+          <a:p>
+            <a:r>
+              <a:rPr lang="en-US" dirty="0"/>
+              <a:t>l</a:t>
+            </a:r>
+            <a:r>
+              <a:rPr lang="en-JP" dirty="0"/>
+              <a:t>s1</a:t>
+            </a:r>
+          </a:p>
+          <a:p>
+            <a:r>
+              <a:rPr lang="en-JP" dirty="0"/>
+              <a:t>stix1</a:t>
             </a:r>
           </a:p>
         </p:txBody>
@@ -6407,7 +6444,7 @@
         <p:spPr>
           <a:xfrm>
             <a:off x="12882741" y="2930215"/>
-            <a:ext cx="441146" cy="461665"/>
+            <a:ext cx="441146" cy="646331"/>
           </a:xfrm>
           <a:prstGeom prst="rect">
             <a:avLst/>
@@ -6431,8 +6468,18 @@
           </a:p>
           <a:p>
             <a:r>
+              <a:rPr lang="en-US" sz="1200" dirty="0"/>
+              <a:t>J</a:t>
+            </a:r>
+            <a:r>
               <a:rPr lang="en-JP" sz="1200" dirty="0"/>
-              <a:t>jpn</a:t>
+              <a:t>pn</a:t>
+            </a:r>
+          </a:p>
+          <a:p>
+            <a:r>
+              <a:rPr lang="en-JP" sz="1200" dirty="0"/>
+              <a:t>acn</a:t>
             </a:r>
           </a:p>
         </p:txBody>
@@ -6452,7 +6499,7 @@
         <p:spPr>
           <a:xfrm>
             <a:off x="12172015" y="5620734"/>
-            <a:ext cx="752835" cy="369332"/>
+            <a:ext cx="752835" cy="646331"/>
           </a:xfrm>
           <a:prstGeom prst="rect">
             <a:avLst/>
@@ -6466,8 +6513,18 @@
           <a:lstStyle/>
           <a:p>
             <a:r>
+              <a:rPr lang="en-US" dirty="0"/>
+              <a:t>s</a:t>
+            </a:r>
+            <a:r>
               <a:rPr lang="en-JP" dirty="0"/>
-              <a:t>stdb0</a:t>
+              <a:t>tdb0</a:t>
+            </a:r>
+          </a:p>
+          <a:p>
+            <a:r>
+              <a:rPr lang="en-JP" dirty="0"/>
+              <a:t>stda0</a:t>
             </a:r>
           </a:p>
         </p:txBody>
@@ -6487,7 +6544,7 @@
         <p:spPr>
           <a:xfrm>
             <a:off x="13667722" y="5595184"/>
-            <a:ext cx="746423" cy="369332"/>
+            <a:ext cx="746423" cy="646331"/>
           </a:xfrm>
           <a:prstGeom prst="rect">
             <a:avLst/>
@@ -6499,6 +6556,16 @@
             <a:spAutoFit/>
           </a:bodyPr>
           <a:lstStyle/>
+          <a:p>
+            <a:r>
+              <a:rPr lang="en-US" dirty="0"/>
+              <a:t>s</a:t>
+            </a:r>
+            <a:r>
+              <a:rPr lang="en-JP" dirty="0"/>
+              <a:t>tdb1</a:t>
+            </a:r>
+          </a:p>
           <a:p>
             <a:r>
               <a:rPr lang="en-JP" dirty="0"/>
@@ -6522,7 +6589,7 @@
         <p:spPr>
           <a:xfrm>
             <a:off x="15074900" y="5643213"/>
-            <a:ext cx="746423" cy="369332"/>
+            <a:ext cx="746423" cy="646331"/>
           </a:xfrm>
           <a:prstGeom prst="rect">
             <a:avLst/>
@@ -6534,6 +6601,16 @@
             <a:spAutoFit/>
           </a:bodyPr>
           <a:lstStyle/>
+          <a:p>
+            <a:r>
+              <a:rPr lang="en-US" dirty="0"/>
+              <a:t>s</a:t>
+            </a:r>
+            <a:r>
+              <a:rPr lang="en-JP" dirty="0"/>
+              <a:t>tdb2</a:t>
+            </a:r>
+          </a:p>
           <a:p>
             <a:r>
               <a:rPr lang="en-JP" dirty="0"/>
@@ -6572,11 +6649,18 @@
           <a:p>
             <a:pPr algn="ctr" eaLnBrk="1" hangingPunct="1"/>
             <a:r>
+              <a:rPr lang="en-US" altLang="ja-JP" b="1" dirty="0">
+                <a:latin typeface="ＭＳ 明朝" panose="02020609040205080304" pitchFamily="49" charset="-128"/>
+                <a:ea typeface="ＭＳ 明朝" panose="02020609040205080304" pitchFamily="49" charset="-128"/>
+              </a:rPr>
+              <a:t>s</a:t>
+            </a:r>
+            <a:r>
               <a:rPr lang="en-US" altLang="ja-JP" sz="1800" b="1" dirty="0">
                 <a:latin typeface="ＭＳ 明朝" panose="02020609040205080304" pitchFamily="49" charset="-128"/>
                 <a:ea typeface="ＭＳ 明朝" panose="02020609040205080304" pitchFamily="49" charset="-128"/>
               </a:rPr>
-              <a:t>stdi0</a:t>
+              <a:t>tdi0</a:t>
             </a:r>
           </a:p>
         </p:txBody>
@@ -6611,11 +6695,18 @@
           <a:p>
             <a:pPr algn="ctr" eaLnBrk="1" hangingPunct="1"/>
             <a:r>
+              <a:rPr lang="en-US" altLang="ja-JP" b="1" dirty="0">
+                <a:latin typeface="ＭＳ 明朝" panose="02020609040205080304" pitchFamily="49" charset="-128"/>
+                <a:ea typeface="ＭＳ 明朝" panose="02020609040205080304" pitchFamily="49" charset="-128"/>
+              </a:rPr>
+              <a:t>s</a:t>
+            </a:r>
+            <a:r>
               <a:rPr lang="en-US" altLang="ja-JP" sz="1800" b="1" dirty="0">
                 <a:latin typeface="ＭＳ 明朝" panose="02020609040205080304" pitchFamily="49" charset="-128"/>
                 <a:ea typeface="ＭＳ 明朝" panose="02020609040205080304" pitchFamily="49" charset="-128"/>
               </a:rPr>
-              <a:t>stdi1</a:t>
+              <a:t>tdi1</a:t>
             </a:r>
           </a:p>
         </p:txBody>
@@ -6650,11 +6741,18 @@
           <a:p>
             <a:pPr algn="ctr" eaLnBrk="1" hangingPunct="1"/>
             <a:r>
+              <a:rPr lang="en-US" altLang="ja-JP" b="1" dirty="0">
+                <a:latin typeface="ＭＳ 明朝" panose="02020609040205080304" pitchFamily="49" charset="-128"/>
+                <a:ea typeface="ＭＳ 明朝" panose="02020609040205080304" pitchFamily="49" charset="-128"/>
+              </a:rPr>
+              <a:t>s</a:t>
+            </a:r>
+            <a:r>
               <a:rPr lang="en-US" altLang="ja-JP" sz="1800" b="1" dirty="0">
                 <a:latin typeface="ＭＳ 明朝" panose="02020609040205080304" pitchFamily="49" charset="-128"/>
                 <a:ea typeface="ＭＳ 明朝" panose="02020609040205080304" pitchFamily="49" charset="-128"/>
               </a:rPr>
-              <a:t>stdi2</a:t>
+              <a:t>tdi2</a:t>
             </a:r>
           </a:p>
         </p:txBody>
@@ -6689,11 +6787,18 @@
           <a:p>
             <a:pPr algn="ctr" eaLnBrk="1" hangingPunct="1"/>
             <a:r>
+              <a:rPr lang="en-US" altLang="ja-JP" b="1" dirty="0">
+                <a:latin typeface="ＭＳ 明朝" panose="02020609040205080304" pitchFamily="49" charset="-128"/>
+                <a:ea typeface="ＭＳ 明朝" panose="02020609040205080304" pitchFamily="49" charset="-128"/>
+              </a:rPr>
+              <a:t>s</a:t>
+            </a:r>
+            <a:r>
               <a:rPr lang="en-US" altLang="ja-JP" sz="1800" b="1" dirty="0">
                 <a:latin typeface="ＭＳ 明朝" panose="02020609040205080304" pitchFamily="49" charset="-128"/>
                 <a:ea typeface="ＭＳ 明朝" panose="02020609040205080304" pitchFamily="49" charset="-128"/>
               </a:rPr>
-              <a:t>stdi3</a:t>
+              <a:t>tdi3</a:t>
             </a:r>
           </a:p>
         </p:txBody>
@@ -6728,11 +6833,18 @@
           <a:p>
             <a:pPr algn="ctr" eaLnBrk="1" hangingPunct="1"/>
             <a:r>
+              <a:rPr lang="en-US" altLang="ja-JP" b="1" dirty="0">
+                <a:latin typeface="ＭＳ 明朝" panose="02020609040205080304" pitchFamily="49" charset="-128"/>
+                <a:ea typeface="ＭＳ 明朝" panose="02020609040205080304" pitchFamily="49" charset="-128"/>
+              </a:rPr>
+              <a:t>s</a:t>
+            </a:r>
+            <a:r>
               <a:rPr lang="en-US" altLang="ja-JP" sz="1800" b="1" dirty="0">
                 <a:latin typeface="ＭＳ 明朝" panose="02020609040205080304" pitchFamily="49" charset="-128"/>
                 <a:ea typeface="ＭＳ 明朝" panose="02020609040205080304" pitchFamily="49" charset="-128"/>
               </a:rPr>
-              <a:t>stdi4</a:t>
+              <a:t>tdi4</a:t>
             </a:r>
           </a:p>
         </p:txBody>
